--- a/images/pd2af-logo.pptx
+++ b/images/pd2af-logo.pptx
@@ -5,15 +5,18 @@
     <p:sldMasterId id="2147483648" r:id="rId1"/>
   </p:sldMasterIdLst>
   <p:notesMasterIdLst>
-    <p:notesMasterId r:id="rId5"/>
+    <p:notesMasterId r:id="rId8"/>
   </p:notesMasterIdLst>
   <p:handoutMasterIdLst>
-    <p:handoutMasterId r:id="rId6"/>
+    <p:handoutMasterId r:id="rId9"/>
   </p:handoutMasterIdLst>
   <p:sldIdLst>
     <p:sldId id="854" r:id="rId2"/>
     <p:sldId id="855" r:id="rId3"/>
-    <p:sldId id="858" r:id="rId4"/>
+    <p:sldId id="863" r:id="rId4"/>
+    <p:sldId id="858" r:id="rId5"/>
+    <p:sldId id="862" r:id="rId6"/>
+    <p:sldId id="861" r:id="rId7"/>
   </p:sldIdLst>
   <p:sldSz cx="9144000" cy="6858000" type="screen4x3"/>
   <p:notesSz cx="6858000" cy="9144000"/>
@@ -214,7 +217,7 @@
             <a:fld id="{50DF2193-D683-6D47-85B7-2C4ED81F46DC}" type="datetimeFigureOut">
               <a:rPr lang="fr-FR" smtClean="0"/>
               <a:pPr/>
-              <a:t>11/06/2018</a:t>
+              <a:t>12/06/2018</a:t>
             </a:fld>
             <a:endParaRPr lang="fr-FR"/>
           </a:p>
@@ -382,7 +385,7 @@
             <a:fld id="{35A4AC24-A40A-B84F-A48A-6D28129B9240}" type="datetimeFigureOut">
               <a:rPr lang="fr-FR" smtClean="0"/>
               <a:pPr/>
-              <a:t>11/06/2018</a:t>
+              <a:t>12/06/2018</a:t>
             </a:fld>
             <a:endParaRPr lang="fr-FR"/>
           </a:p>
@@ -3137,14 +3140,14 @@
       </p:grpSpPr>
       <p:sp>
         <p:nvSpPr>
-          <p:cNvPr id="17" name="TextBox 16"/>
+          <p:cNvPr id="33" name="TextBox 32"/>
           <p:cNvSpPr txBox="1"/>
           <p:nvPr/>
         </p:nvSpPr>
         <p:spPr>
           <a:xfrm>
-            <a:off x="3901832" y="2611480"/>
-            <a:ext cx="1792478" cy="1200329"/>
+            <a:off x="2264763" y="1260284"/>
+            <a:ext cx="1779654" cy="1200329"/>
           </a:xfrm>
           <a:prstGeom prst="rect">
             <a:avLst/>
@@ -3162,25 +3165,47 @@
                 <a:solidFill>
                   <a:srgbClr val="2E5287"/>
                 </a:solidFill>
-                <a:latin typeface="DIN Condensed" charset="0"/>
-                <a:ea typeface="DIN Condensed" charset="0"/>
-                <a:cs typeface="DIN Condensed" charset="0"/>
-              </a:rPr>
-              <a:t>pd2af</a:t>
-            </a:r>
-          </a:p>
-        </p:txBody>
-      </p:sp>
-      <p:sp>
-        <p:nvSpPr>
-          <p:cNvPr id="18" name="TextBox 17"/>
+                <a:latin typeface="Haettenschweiler" charset="0"/>
+                <a:ea typeface="Haettenschweiler" charset="0"/>
+                <a:cs typeface="Haettenschweiler" charset="0"/>
+              </a:rPr>
+              <a:t>pd</a:t>
+            </a:r>
+            <a:r>
+              <a:rPr lang="en-US" sz="7200" dirty="0" smtClean="0">
+                <a:solidFill>
+                  <a:srgbClr val="89A0C9"/>
+                </a:solidFill>
+                <a:latin typeface="Haettenschweiler" charset="0"/>
+                <a:ea typeface="Haettenschweiler" charset="0"/>
+                <a:cs typeface="Haettenschweiler" charset="0"/>
+              </a:rPr>
+              <a:t>2</a:t>
+            </a:r>
+            <a:r>
+              <a:rPr lang="en-US" sz="7200" dirty="0" smtClean="0">
+                <a:solidFill>
+                  <a:srgbClr val="2E5287"/>
+                </a:solidFill>
+                <a:latin typeface="Haettenschweiler" charset="0"/>
+                <a:ea typeface="Haettenschweiler" charset="0"/>
+                <a:cs typeface="Haettenschweiler" charset="0"/>
+              </a:rPr>
+              <a:t>af</a:t>
+            </a:r>
+          </a:p>
+        </p:txBody>
+      </p:sp>
+      <p:sp>
+        <p:nvSpPr>
+          <p:cNvPr id="34" name="TextBox 33"/>
           <p:cNvSpPr txBox="1"/>
           <p:nvPr/>
         </p:nvSpPr>
         <p:spPr>
           <a:xfrm>
-            <a:off x="3901832" y="3498449"/>
-            <a:ext cx="1862818" cy="769441"/>
+            <a:off x="2267744" y="2204864"/>
+            <a:ext cx="1811714" cy="707886"/>
           </a:xfrm>
           <a:prstGeom prst="rect">
             <a:avLst/>
@@ -3194,13 +3219,13 @@
           <a:lstStyle/>
           <a:p>
             <a:r>
-              <a:rPr lang="en-US" sz="4400" dirty="0" smtClean="0">
+              <a:rPr lang="en-US" sz="3900" dirty="0" smtClean="0">
                 <a:solidFill>
                   <a:srgbClr val="89A0C9"/>
                 </a:solidFill>
-                <a:latin typeface="DIN Condensed" charset="0"/>
-                <a:ea typeface="DIN Condensed" charset="0"/>
-                <a:cs typeface="DIN Condensed" charset="0"/>
+                <a:latin typeface="Haettenschweiler" charset="0"/>
+                <a:ea typeface="Haettenschweiler" charset="0"/>
+                <a:cs typeface="Haettenschweiler" charset="0"/>
               </a:rPr>
               <a:t>converter</a:t>
             </a:r>
@@ -3209,13 +3234,13 @@
       </p:sp>
       <p:sp>
         <p:nvSpPr>
-          <p:cNvPr id="33" name="TextBox 32"/>
+          <p:cNvPr id="35" name="TextBox 34"/>
           <p:cNvSpPr txBox="1"/>
           <p:nvPr/>
         </p:nvSpPr>
         <p:spPr>
           <a:xfrm>
-            <a:off x="1328659" y="819050"/>
+            <a:off x="5073075" y="1278486"/>
             <a:ext cx="1779654" cy="1200329"/>
           </a:xfrm>
           <a:prstGeom prst="rect">
@@ -3238,42 +3263,20 @@
                 <a:ea typeface="Haettenschweiler" charset="0"/>
                 <a:cs typeface="Haettenschweiler" charset="0"/>
               </a:rPr>
-              <a:t>pd</a:t>
-            </a:r>
-            <a:r>
-              <a:rPr lang="en-US" sz="7200" dirty="0" smtClean="0">
-                <a:solidFill>
-                  <a:srgbClr val="89A0C9"/>
-                </a:solidFill>
-                <a:latin typeface="Haettenschweiler" charset="0"/>
-                <a:ea typeface="Haettenschweiler" charset="0"/>
-                <a:cs typeface="Haettenschweiler" charset="0"/>
-              </a:rPr>
-              <a:t>2</a:t>
-            </a:r>
-            <a:r>
-              <a:rPr lang="en-US" sz="7200" dirty="0" smtClean="0">
-                <a:solidFill>
-                  <a:srgbClr val="2E5287"/>
-                </a:solidFill>
-                <a:latin typeface="Haettenschweiler" charset="0"/>
-                <a:ea typeface="Haettenschweiler" charset="0"/>
-                <a:cs typeface="Haettenschweiler" charset="0"/>
-              </a:rPr>
-              <a:t>af</a:t>
-            </a:r>
-          </a:p>
-        </p:txBody>
-      </p:sp>
-      <p:sp>
-        <p:nvSpPr>
-          <p:cNvPr id="34" name="TextBox 33"/>
+              <a:t>pd2af</a:t>
+            </a:r>
+          </a:p>
+        </p:txBody>
+      </p:sp>
+      <p:sp>
+        <p:nvSpPr>
+          <p:cNvPr id="36" name="TextBox 35"/>
           <p:cNvSpPr txBox="1"/>
           <p:nvPr/>
         </p:nvSpPr>
         <p:spPr>
           <a:xfrm>
-            <a:off x="1331640" y="1763630"/>
+            <a:off x="5076056" y="2223066"/>
             <a:ext cx="1811714" cy="707886"/>
           </a:xfrm>
           <a:prstGeom prst="rect">
@@ -3290,7 +3293,7 @@
             <a:r>
               <a:rPr lang="en-US" sz="3900" dirty="0" smtClean="0">
                 <a:solidFill>
-                  <a:srgbClr val="89A0C9"/>
+                  <a:srgbClr val="2E5287"/>
                 </a:solidFill>
                 <a:latin typeface="Haettenschweiler" charset="0"/>
                 <a:ea typeface="Haettenschweiler" charset="0"/>
@@ -3303,13 +3306,13 @@
       </p:sp>
       <p:sp>
         <p:nvSpPr>
-          <p:cNvPr id="35" name="TextBox 34"/>
+          <p:cNvPr id="12" name="TextBox 11"/>
           <p:cNvSpPr txBox="1"/>
           <p:nvPr/>
         </p:nvSpPr>
         <p:spPr>
           <a:xfrm>
-            <a:off x="7058735" y="819050"/>
+            <a:off x="2264763" y="3418132"/>
             <a:ext cx="1779654" cy="1200329"/>
           </a:xfrm>
           <a:prstGeom prst="rect">
@@ -3339,13 +3342,13 @@
       </p:sp>
       <p:sp>
         <p:nvSpPr>
-          <p:cNvPr id="36" name="TextBox 35"/>
+          <p:cNvPr id="13" name="TextBox 12"/>
           <p:cNvSpPr txBox="1"/>
           <p:nvPr/>
         </p:nvSpPr>
         <p:spPr>
           <a:xfrm>
-            <a:off x="7061716" y="1763630"/>
+            <a:off x="2267744" y="4362712"/>
             <a:ext cx="1811714" cy="707886"/>
           </a:xfrm>
           <a:prstGeom prst="rect">
@@ -3362,7 +3365,7 @@
             <a:r>
               <a:rPr lang="en-US" sz="3900" dirty="0" smtClean="0">
                 <a:solidFill>
-                  <a:srgbClr val="2E5287"/>
+                  <a:srgbClr val="89A0C9"/>
                 </a:solidFill>
                 <a:latin typeface="Haettenschweiler" charset="0"/>
                 <a:ea typeface="Haettenschweiler" charset="0"/>
@@ -3405,14 +3408,66 @@
       </p:grpSpPr>
       <p:sp>
         <p:nvSpPr>
+          <p:cNvPr id="2" name="Rectangle 1"/>
+          <p:cNvSpPr/>
+          <p:nvPr/>
+        </p:nvSpPr>
+        <p:spPr>
+          <a:xfrm>
+            <a:off x="1835694" y="1416214"/>
+            <a:ext cx="2651961" cy="2720389"/>
+          </a:xfrm>
+          <a:prstGeom prst="rect">
+            <a:avLst/>
+          </a:prstGeom>
+          <a:solidFill>
+            <a:srgbClr val="89A0C9"/>
+          </a:solidFill>
+          <a:ln>
+            <a:noFill/>
+          </a:ln>
+          <a:effectLst/>
+        </p:spPr>
+        <p:style>
+          <a:lnRef idx="1">
+            <a:schemeClr val="accent1"/>
+          </a:lnRef>
+          <a:fillRef idx="3">
+            <a:schemeClr val="accent1"/>
+          </a:fillRef>
+          <a:effectRef idx="2">
+            <a:schemeClr val="accent1"/>
+          </a:effectRef>
+          <a:fontRef idx="minor">
+            <a:schemeClr val="lt1"/>
+          </a:fontRef>
+        </p:style>
+        <p:txBody>
+          <a:bodyPr rtlCol="0" anchor="ctr"/>
+          <a:lstStyle/>
+          <a:p>
+            <a:pPr algn="ctr"/>
+            <a:endParaRPr lang="en-GB" b="1">
+              <a:solidFill>
+                <a:srgbClr val="89A0C9"/>
+              </a:solidFill>
+              <a:latin typeface="Franklin Gothic Demi Cond" charset="0"/>
+              <a:ea typeface="Franklin Gothic Demi Cond" charset="0"/>
+              <a:cs typeface="Franklin Gothic Demi Cond" charset="0"/>
+            </a:endParaRPr>
+          </a:p>
+        </p:txBody>
+      </p:sp>
+      <p:sp>
+        <p:nvSpPr>
           <p:cNvPr id="33" name="TextBox 32"/>
           <p:cNvSpPr txBox="1"/>
           <p:nvPr/>
         </p:nvSpPr>
         <p:spPr>
           <a:xfrm>
-            <a:off x="1328659" y="819050"/>
-            <a:ext cx="4616970" cy="3170099"/>
+            <a:off x="1969187" y="1124744"/>
+            <a:ext cx="2387192" cy="2862322"/>
           </a:xfrm>
           <a:prstGeom prst="rect">
             <a:avLst/>
@@ -3426,38 +3481,35 @@
           <a:lstStyle/>
           <a:p>
             <a:r>
-              <a:rPr lang="en-US" sz="20000" dirty="0" smtClean="0">
+              <a:rPr lang="en-US" sz="18000" b="1" dirty="0" err="1" smtClean="0">
                 <a:solidFill>
                   <a:srgbClr val="2E5287"/>
                 </a:solidFill>
-                <a:latin typeface="Haettenschweiler" charset="0"/>
-                <a:ea typeface="Haettenschweiler" charset="0"/>
-                <a:cs typeface="Haettenschweiler" charset="0"/>
-              </a:rPr>
-              <a:t>pd</a:t>
-            </a:r>
-            <a:r>
-              <a:rPr lang="en-US" sz="20000" dirty="0" smtClean="0">
-                <a:solidFill>
-                  <a:srgbClr val="89A0C9"/>
-                </a:solidFill>
-                <a:latin typeface="Haettenschweiler" charset="0"/>
-                <a:ea typeface="Haettenschweiler" charset="0"/>
-                <a:cs typeface="Haettenschweiler" charset="0"/>
-              </a:rPr>
-              <a:t>2</a:t>
-            </a:r>
-            <a:r>
-              <a:rPr lang="en-US" sz="20000" dirty="0" smtClean="0">
+                <a:latin typeface="Franklin Gothic Demi Cond" charset="0"/>
+                <a:ea typeface="Franklin Gothic Demi Cond" charset="0"/>
+                <a:cs typeface="Franklin Gothic Demi Cond" charset="0"/>
+              </a:rPr>
+              <a:t>p</a:t>
+            </a:r>
+            <a:r>
+              <a:rPr lang="en-US" sz="18000" b="1" dirty="0" err="1" smtClean="0">
                 <a:solidFill>
                   <a:srgbClr val="2E5287"/>
                 </a:solidFill>
-                <a:latin typeface="Haettenschweiler" charset="0"/>
-                <a:ea typeface="Haettenschweiler" charset="0"/>
-                <a:cs typeface="Haettenschweiler" charset="0"/>
-              </a:rPr>
-              <a:t>af</a:t>
-            </a:r>
+                <a:latin typeface="Franklin Gothic Demi Cond" charset="0"/>
+                <a:ea typeface="Franklin Gothic Demi Cond" charset="0"/>
+                <a:cs typeface="Franklin Gothic Demi Cond" charset="0"/>
+              </a:rPr>
+              <a:t>d</a:t>
+            </a:r>
+            <a:endParaRPr lang="en-US" sz="18000" b="1" dirty="0" smtClean="0">
+              <a:solidFill>
+                <a:srgbClr val="2E5287"/>
+              </a:solidFill>
+              <a:latin typeface="Franklin Gothic Demi Cond" charset="0"/>
+              <a:ea typeface="Franklin Gothic Demi Cond" charset="0"/>
+              <a:cs typeface="Franklin Gothic Demi Cond" charset="0"/>
+            </a:endParaRPr>
           </a:p>
         </p:txBody>
       </p:sp>
@@ -3469,8 +3521,8 @@
         </p:nvSpPr>
         <p:spPr>
           <a:xfrm>
-            <a:off x="1328659" y="3284984"/>
-            <a:ext cx="4657044" cy="1785104"/>
+            <a:off x="1742160" y="3861048"/>
+            <a:ext cx="5490990" cy="1862048"/>
           </a:xfrm>
           <a:prstGeom prst="rect">
             <a:avLst/>
@@ -3484,7 +3536,246 @@
           <a:lstStyle/>
           <a:p>
             <a:r>
-              <a:rPr lang="en-US" sz="11000" dirty="0" smtClean="0">
+              <a:rPr lang="en-US" sz="11500" b="1" dirty="0" smtClean="0">
+                <a:solidFill>
+                  <a:srgbClr val="89A0C9"/>
+                </a:solidFill>
+                <a:latin typeface="Franklin Gothic Demi Cond" charset="0"/>
+                <a:ea typeface="Franklin Gothic Demi Cond" charset="0"/>
+                <a:cs typeface="Franklin Gothic Demi Cond" charset="0"/>
+              </a:rPr>
+              <a:t>converter</a:t>
+            </a:r>
+          </a:p>
+        </p:txBody>
+      </p:sp>
+      <p:sp>
+        <p:nvSpPr>
+          <p:cNvPr id="5" name="Rectangle 4"/>
+          <p:cNvSpPr/>
+          <p:nvPr/>
+        </p:nvSpPr>
+        <p:spPr>
+          <a:xfrm>
+            <a:off x="4487655" y="1416214"/>
+            <a:ext cx="2643921" cy="2720389"/>
+          </a:xfrm>
+          <a:prstGeom prst="rect">
+            <a:avLst/>
+          </a:prstGeom>
+          <a:solidFill>
+            <a:srgbClr val="2E5287"/>
+          </a:solidFill>
+          <a:ln>
+            <a:noFill/>
+          </a:ln>
+          <a:effectLst/>
+        </p:spPr>
+        <p:style>
+          <a:lnRef idx="1">
+            <a:schemeClr val="accent1"/>
+          </a:lnRef>
+          <a:fillRef idx="3">
+            <a:schemeClr val="accent1"/>
+          </a:fillRef>
+          <a:effectRef idx="2">
+            <a:schemeClr val="accent1"/>
+          </a:effectRef>
+          <a:fontRef idx="minor">
+            <a:schemeClr val="lt1"/>
+          </a:fontRef>
+        </p:style>
+        <p:txBody>
+          <a:bodyPr rtlCol="0" anchor="ctr"/>
+          <a:lstStyle/>
+          <a:p>
+            <a:pPr algn="ctr"/>
+            <a:endParaRPr lang="en-GB" b="1">
+              <a:solidFill>
+                <a:srgbClr val="89A0C9"/>
+              </a:solidFill>
+              <a:latin typeface="Franklin Gothic Demi Cond" charset="0"/>
+              <a:ea typeface="Franklin Gothic Demi Cond" charset="0"/>
+              <a:cs typeface="Franklin Gothic Demi Cond" charset="0"/>
+            </a:endParaRPr>
+          </a:p>
+        </p:txBody>
+      </p:sp>
+      <p:sp>
+        <p:nvSpPr>
+          <p:cNvPr id="6" name="TextBox 5"/>
+          <p:cNvSpPr txBox="1"/>
+          <p:nvPr/>
+        </p:nvSpPr>
+        <p:spPr>
+          <a:xfrm>
+            <a:off x="4803100" y="1124744"/>
+            <a:ext cx="1954381" cy="2862322"/>
+          </a:xfrm>
+          <a:prstGeom prst="rect">
+            <a:avLst/>
+          </a:prstGeom>
+          <a:noFill/>
+        </p:spPr>
+        <p:txBody>
+          <a:bodyPr wrap="none" rtlCol="0">
+            <a:spAutoFit/>
+          </a:bodyPr>
+          <a:lstStyle/>
+          <a:p>
+            <a:r>
+              <a:rPr lang="en-US" sz="18000" b="1" dirty="0" err="1" smtClean="0">
+                <a:solidFill>
+                  <a:schemeClr val="bg1"/>
+                </a:solidFill>
+                <a:latin typeface="Franklin Gothic Demi Cond" charset="0"/>
+                <a:ea typeface="Franklin Gothic Demi Cond" charset="0"/>
+                <a:cs typeface="Franklin Gothic Demi Cond" charset="0"/>
+              </a:rPr>
+              <a:t>af</a:t>
+            </a:r>
+            <a:endParaRPr lang="en-US" sz="18000" b="1" dirty="0" smtClean="0">
+              <a:solidFill>
+                <a:schemeClr val="bg1"/>
+              </a:solidFill>
+              <a:latin typeface="Franklin Gothic Demi Cond" charset="0"/>
+              <a:ea typeface="Franklin Gothic Demi Cond" charset="0"/>
+              <a:cs typeface="Franklin Gothic Demi Cond" charset="0"/>
+            </a:endParaRPr>
+          </a:p>
+        </p:txBody>
+      </p:sp>
+    </p:spTree>
+    <p:extLst>
+      <p:ext uri="{BB962C8B-B14F-4D97-AF65-F5344CB8AC3E}">
+        <p14:creationId xmlns:p14="http://schemas.microsoft.com/office/powerpoint/2010/main" val="947598003"/>
+      </p:ext>
+    </p:extLst>
+  </p:cSld>
+  <p:clrMapOvr>
+    <a:masterClrMapping/>
+  </p:clrMapOvr>
+</p:sld>
+</file>
+
+<file path=ppt/slides/slide4.xml><?xml version="1.0" encoding="utf-8"?>
+<p:sld xmlns:a="http://schemas.openxmlformats.org/drawingml/2006/main" xmlns:r="http://schemas.openxmlformats.org/officeDocument/2006/relationships" xmlns:p="http://schemas.openxmlformats.org/presentationml/2006/main">
+  <p:cSld>
+    <p:spTree>
+      <p:nvGrpSpPr>
+        <p:cNvPr id="1" name=""/>
+        <p:cNvGrpSpPr/>
+        <p:nvPr/>
+      </p:nvGrpSpPr>
+      <p:grpSpPr>
+        <a:xfrm>
+          <a:off x="0" y="0"/>
+          <a:ext cx="0" cy="0"/>
+          <a:chOff x="0" y="0"/>
+          <a:chExt cx="0" cy="0"/>
+        </a:xfrm>
+      </p:grpSpPr>
+      <p:sp>
+        <p:nvSpPr>
+          <p:cNvPr id="33" name="TextBox 32"/>
+          <p:cNvSpPr txBox="1"/>
+          <p:nvPr/>
+        </p:nvSpPr>
+        <p:spPr>
+          <a:xfrm>
+            <a:off x="2267744" y="963066"/>
+            <a:ext cx="4879862" cy="3170099"/>
+          </a:xfrm>
+          <a:prstGeom prst="rect">
+            <a:avLst/>
+          </a:prstGeom>
+          <a:noFill/>
+        </p:spPr>
+        <p:txBody>
+          <a:bodyPr wrap="none" rtlCol="0">
+            <a:spAutoFit/>
+          </a:bodyPr>
+          <a:lstStyle/>
+          <a:p>
+            <a:r>
+              <a:rPr lang="en-US" sz="20000" dirty="0" err="1">
+                <a:solidFill>
+                  <a:srgbClr val="2E5287"/>
+                </a:solidFill>
+                <a:latin typeface="Haettenschweiler" charset="0"/>
+                <a:ea typeface="Haettenschweiler" charset="0"/>
+                <a:cs typeface="Haettenschweiler" charset="0"/>
+              </a:rPr>
+              <a:t>p</a:t>
+            </a:r>
+            <a:r>
+              <a:rPr lang="en-US" sz="20000" dirty="0" err="1" smtClean="0">
+                <a:solidFill>
+                  <a:srgbClr val="2E5287"/>
+                </a:solidFill>
+                <a:latin typeface="Haettenschweiler" charset="0"/>
+                <a:ea typeface="Haettenschweiler" charset="0"/>
+                <a:cs typeface="Haettenschweiler" charset="0"/>
+              </a:rPr>
+              <a:t>d</a:t>
+            </a:r>
+            <a:r>
+              <a:rPr lang="en-US" sz="18000" b="1" dirty="0" smtClean="0">
+                <a:solidFill>
+                  <a:srgbClr val="89A0C9"/>
+                </a:solidFill>
+                <a:latin typeface="Arial Narrow" charset="0"/>
+                <a:ea typeface="Arial Narrow" charset="0"/>
+                <a:cs typeface="Arial Narrow" charset="0"/>
+              </a:rPr>
+              <a:t>&gt;</a:t>
+            </a:r>
+            <a:r>
+              <a:rPr lang="en-US" sz="20000" dirty="0" err="1" smtClean="0">
+                <a:solidFill>
+                  <a:srgbClr val="2E5287"/>
+                </a:solidFill>
+                <a:latin typeface="Haettenschweiler" charset="0"/>
+                <a:ea typeface="Haettenschweiler" charset="0"/>
+                <a:cs typeface="Haettenschweiler" charset="0"/>
+              </a:rPr>
+              <a:t>af</a:t>
+            </a:r>
+            <a:endParaRPr lang="en-US" sz="20000" dirty="0" smtClean="0">
+              <a:solidFill>
+                <a:srgbClr val="2E5287"/>
+              </a:solidFill>
+              <a:latin typeface="Haettenschweiler" charset="0"/>
+              <a:ea typeface="Haettenschweiler" charset="0"/>
+              <a:cs typeface="Haettenschweiler" charset="0"/>
+            </a:endParaRPr>
+          </a:p>
+        </p:txBody>
+      </p:sp>
+      <p:sp>
+        <p:nvSpPr>
+          <p:cNvPr id="34" name="TextBox 33"/>
+          <p:cNvSpPr txBox="1"/>
+          <p:nvPr/>
+        </p:nvSpPr>
+        <p:spPr>
+          <a:xfrm>
+            <a:off x="2267744" y="3429000"/>
+            <a:ext cx="4863832" cy="1862048"/>
+          </a:xfrm>
+          <a:prstGeom prst="rect">
+            <a:avLst/>
+          </a:prstGeom>
+          <a:noFill/>
+        </p:spPr>
+        <p:txBody>
+          <a:bodyPr wrap="none" rtlCol="0">
+            <a:spAutoFit/>
+          </a:bodyPr>
+          <a:lstStyle/>
+          <a:p>
+            <a:r>
+              <a:rPr lang="en-US" sz="11500" dirty="0" smtClean="0">
                 <a:solidFill>
                   <a:srgbClr val="89A0C9"/>
                 </a:solidFill>
@@ -3501,6 +3792,393 @@
     <p:extLst>
       <p:ext uri="{BB962C8B-B14F-4D97-AF65-F5344CB8AC3E}">
         <p14:creationId xmlns:p14="http://schemas.microsoft.com/office/powerpoint/2010/main" val="2008465311"/>
+      </p:ext>
+    </p:extLst>
+  </p:cSld>
+  <p:clrMapOvr>
+    <a:masterClrMapping/>
+  </p:clrMapOvr>
+</p:sld>
+</file>
+
+<file path=ppt/slides/slide5.xml><?xml version="1.0" encoding="utf-8"?>
+<p:sld xmlns:a="http://schemas.openxmlformats.org/drawingml/2006/main" xmlns:r="http://schemas.openxmlformats.org/officeDocument/2006/relationships" xmlns:p="http://schemas.openxmlformats.org/presentationml/2006/main">
+  <p:cSld>
+    <p:spTree>
+      <p:nvGrpSpPr>
+        <p:cNvPr id="1" name=""/>
+        <p:cNvGrpSpPr/>
+        <p:nvPr/>
+      </p:nvGrpSpPr>
+      <p:grpSpPr>
+        <a:xfrm>
+          <a:off x="0" y="0"/>
+          <a:ext cx="0" cy="0"/>
+          <a:chOff x="0" y="0"/>
+          <a:chExt cx="0" cy="0"/>
+        </a:xfrm>
+      </p:grpSpPr>
+      <p:sp>
+        <p:nvSpPr>
+          <p:cNvPr id="2" name="Rectangle 1"/>
+          <p:cNvSpPr/>
+          <p:nvPr/>
+        </p:nvSpPr>
+        <p:spPr>
+          <a:xfrm>
+            <a:off x="1835696" y="1412776"/>
+            <a:ext cx="2651961" cy="2720389"/>
+          </a:xfrm>
+          <a:prstGeom prst="rect">
+            <a:avLst/>
+          </a:prstGeom>
+          <a:solidFill>
+            <a:srgbClr val="89A0C9"/>
+          </a:solidFill>
+          <a:ln>
+            <a:noFill/>
+          </a:ln>
+          <a:effectLst/>
+        </p:spPr>
+        <p:style>
+          <a:lnRef idx="1">
+            <a:schemeClr val="accent1"/>
+          </a:lnRef>
+          <a:fillRef idx="3">
+            <a:schemeClr val="accent1"/>
+          </a:fillRef>
+          <a:effectRef idx="2">
+            <a:schemeClr val="accent1"/>
+          </a:effectRef>
+          <a:fontRef idx="minor">
+            <a:schemeClr val="lt1"/>
+          </a:fontRef>
+        </p:style>
+        <p:txBody>
+          <a:bodyPr rtlCol="0" anchor="ctr"/>
+          <a:lstStyle/>
+          <a:p>
+            <a:pPr algn="ctr"/>
+            <a:endParaRPr lang="en-GB">
+              <a:solidFill>
+                <a:srgbClr val="89A0C9"/>
+              </a:solidFill>
+            </a:endParaRPr>
+          </a:p>
+        </p:txBody>
+      </p:sp>
+      <p:sp>
+        <p:nvSpPr>
+          <p:cNvPr id="33" name="TextBox 32"/>
+          <p:cNvSpPr txBox="1"/>
+          <p:nvPr/>
+        </p:nvSpPr>
+        <p:spPr>
+          <a:xfrm>
+            <a:off x="2142011" y="811166"/>
+            <a:ext cx="2012089" cy="3170099"/>
+          </a:xfrm>
+          <a:prstGeom prst="rect">
+            <a:avLst/>
+          </a:prstGeom>
+          <a:noFill/>
+        </p:spPr>
+        <p:txBody>
+          <a:bodyPr wrap="none" rtlCol="0">
+            <a:spAutoFit/>
+          </a:bodyPr>
+          <a:lstStyle/>
+          <a:p>
+            <a:r>
+              <a:rPr lang="en-US" sz="20000" dirty="0" err="1" smtClean="0">
+                <a:solidFill>
+                  <a:srgbClr val="2E5287"/>
+                </a:solidFill>
+                <a:latin typeface="Haettenschweiler" charset="0"/>
+                <a:ea typeface="Haettenschweiler" charset="0"/>
+                <a:cs typeface="Haettenschweiler" charset="0"/>
+              </a:rPr>
+              <a:t>p</a:t>
+            </a:r>
+            <a:r>
+              <a:rPr lang="en-US" sz="20000" dirty="0" err="1" smtClean="0">
+                <a:solidFill>
+                  <a:srgbClr val="2E5287"/>
+                </a:solidFill>
+                <a:latin typeface="Haettenschweiler" charset="0"/>
+                <a:ea typeface="Haettenschweiler" charset="0"/>
+                <a:cs typeface="Haettenschweiler" charset="0"/>
+              </a:rPr>
+              <a:t>d</a:t>
+            </a:r>
+            <a:endParaRPr lang="en-US" sz="20000" dirty="0" smtClean="0">
+              <a:solidFill>
+                <a:srgbClr val="2E5287"/>
+              </a:solidFill>
+              <a:latin typeface="Haettenschweiler" charset="0"/>
+              <a:ea typeface="Haettenschweiler" charset="0"/>
+              <a:cs typeface="Haettenschweiler" charset="0"/>
+            </a:endParaRPr>
+          </a:p>
+        </p:txBody>
+      </p:sp>
+      <p:sp>
+        <p:nvSpPr>
+          <p:cNvPr id="34" name="TextBox 33"/>
+          <p:cNvSpPr txBox="1"/>
+          <p:nvPr/>
+        </p:nvSpPr>
+        <p:spPr>
+          <a:xfrm>
+            <a:off x="1800230" y="3717032"/>
+            <a:ext cx="5671745" cy="2169825"/>
+          </a:xfrm>
+          <a:prstGeom prst="rect">
+            <a:avLst/>
+          </a:prstGeom>
+          <a:noFill/>
+        </p:spPr>
+        <p:txBody>
+          <a:bodyPr wrap="none" rtlCol="0">
+            <a:spAutoFit/>
+          </a:bodyPr>
+          <a:lstStyle/>
+          <a:p>
+            <a:r>
+              <a:rPr lang="en-US" sz="13000" dirty="0" smtClean="0">
+                <a:solidFill>
+                  <a:srgbClr val="89A0C9"/>
+                </a:solidFill>
+                <a:latin typeface="Haettenschweiler" charset="0"/>
+                <a:ea typeface="Haettenschweiler" charset="0"/>
+                <a:cs typeface="Haettenschweiler" charset="0"/>
+              </a:rPr>
+              <a:t>converter</a:t>
+            </a:r>
+          </a:p>
+        </p:txBody>
+      </p:sp>
+      <p:sp>
+        <p:nvSpPr>
+          <p:cNvPr id="5" name="Rectangle 4"/>
+          <p:cNvSpPr/>
+          <p:nvPr/>
+        </p:nvSpPr>
+        <p:spPr>
+          <a:xfrm>
+            <a:off x="4487655" y="1416214"/>
+            <a:ext cx="2643921" cy="2720389"/>
+          </a:xfrm>
+          <a:prstGeom prst="rect">
+            <a:avLst/>
+          </a:prstGeom>
+          <a:solidFill>
+            <a:srgbClr val="2E5287"/>
+          </a:solidFill>
+          <a:ln>
+            <a:noFill/>
+          </a:ln>
+          <a:effectLst/>
+        </p:spPr>
+        <p:style>
+          <a:lnRef idx="1">
+            <a:schemeClr val="accent1"/>
+          </a:lnRef>
+          <a:fillRef idx="3">
+            <a:schemeClr val="accent1"/>
+          </a:fillRef>
+          <a:effectRef idx="2">
+            <a:schemeClr val="accent1"/>
+          </a:effectRef>
+          <a:fontRef idx="minor">
+            <a:schemeClr val="lt1"/>
+          </a:fontRef>
+        </p:style>
+        <p:txBody>
+          <a:bodyPr rtlCol="0" anchor="ctr"/>
+          <a:lstStyle/>
+          <a:p>
+            <a:pPr algn="ctr"/>
+            <a:endParaRPr lang="en-GB">
+              <a:solidFill>
+                <a:srgbClr val="89A0C9"/>
+              </a:solidFill>
+            </a:endParaRPr>
+          </a:p>
+        </p:txBody>
+      </p:sp>
+      <p:sp>
+        <p:nvSpPr>
+          <p:cNvPr id="6" name="TextBox 5"/>
+          <p:cNvSpPr txBox="1"/>
+          <p:nvPr/>
+        </p:nvSpPr>
+        <p:spPr>
+          <a:xfrm>
+            <a:off x="4878426" y="811166"/>
+            <a:ext cx="1824538" cy="3170099"/>
+          </a:xfrm>
+          <a:prstGeom prst="rect">
+            <a:avLst/>
+          </a:prstGeom>
+          <a:noFill/>
+        </p:spPr>
+        <p:txBody>
+          <a:bodyPr wrap="none" rtlCol="0">
+            <a:spAutoFit/>
+          </a:bodyPr>
+          <a:lstStyle/>
+          <a:p>
+            <a:r>
+              <a:rPr lang="en-US" sz="20000" dirty="0" err="1" smtClean="0">
+                <a:solidFill>
+                  <a:schemeClr val="bg1"/>
+                </a:solidFill>
+                <a:latin typeface="Haettenschweiler" charset="0"/>
+                <a:ea typeface="Haettenschweiler" charset="0"/>
+                <a:cs typeface="Haettenschweiler" charset="0"/>
+              </a:rPr>
+              <a:t>af</a:t>
+            </a:r>
+            <a:endParaRPr lang="en-US" sz="20000" dirty="0" smtClean="0">
+              <a:solidFill>
+                <a:schemeClr val="bg1"/>
+              </a:solidFill>
+              <a:latin typeface="Haettenschweiler" charset="0"/>
+              <a:ea typeface="Haettenschweiler" charset="0"/>
+              <a:cs typeface="Haettenschweiler" charset="0"/>
+            </a:endParaRPr>
+          </a:p>
+        </p:txBody>
+      </p:sp>
+    </p:spTree>
+    <p:extLst>
+      <p:ext uri="{BB962C8B-B14F-4D97-AF65-F5344CB8AC3E}">
+        <p14:creationId xmlns:p14="http://schemas.microsoft.com/office/powerpoint/2010/main" val="9513050"/>
+      </p:ext>
+    </p:extLst>
+  </p:cSld>
+  <p:clrMapOvr>
+    <a:masterClrMapping/>
+  </p:clrMapOvr>
+</p:sld>
+</file>
+
+<file path=ppt/slides/slide6.xml><?xml version="1.0" encoding="utf-8"?>
+<p:sld xmlns:a="http://schemas.openxmlformats.org/drawingml/2006/main" xmlns:r="http://schemas.openxmlformats.org/officeDocument/2006/relationships" xmlns:p="http://schemas.openxmlformats.org/presentationml/2006/main">
+  <p:cSld>
+    <p:spTree>
+      <p:nvGrpSpPr>
+        <p:cNvPr id="1" name=""/>
+        <p:cNvGrpSpPr/>
+        <p:nvPr/>
+      </p:nvGrpSpPr>
+      <p:grpSpPr>
+        <a:xfrm>
+          <a:off x="0" y="0"/>
+          <a:ext cx="0" cy="0"/>
+          <a:chOff x="0" y="0"/>
+          <a:chExt cx="0" cy="0"/>
+        </a:xfrm>
+      </p:grpSpPr>
+      <p:sp>
+        <p:nvSpPr>
+          <p:cNvPr id="33" name="TextBox 32"/>
+          <p:cNvSpPr txBox="1"/>
+          <p:nvPr/>
+        </p:nvSpPr>
+        <p:spPr>
+          <a:xfrm>
+            <a:off x="2267744" y="963066"/>
+            <a:ext cx="4616970" cy="3170099"/>
+          </a:xfrm>
+          <a:prstGeom prst="rect">
+            <a:avLst/>
+          </a:prstGeom>
+          <a:noFill/>
+        </p:spPr>
+        <p:txBody>
+          <a:bodyPr wrap="none" rtlCol="0">
+            <a:spAutoFit/>
+          </a:bodyPr>
+          <a:lstStyle/>
+          <a:p>
+            <a:r>
+              <a:rPr lang="en-US" sz="20000" dirty="0" smtClean="0">
+                <a:solidFill>
+                  <a:srgbClr val="2E5287"/>
+                </a:solidFill>
+                <a:latin typeface="Haettenschweiler" charset="0"/>
+                <a:ea typeface="Haettenschweiler" charset="0"/>
+                <a:cs typeface="Haettenschweiler" charset="0"/>
+              </a:rPr>
+              <a:t>pd</a:t>
+            </a:r>
+            <a:r>
+              <a:rPr lang="en-US" sz="20000" dirty="0" smtClean="0">
+                <a:solidFill>
+                  <a:srgbClr val="89A0C9"/>
+                </a:solidFill>
+                <a:latin typeface="Haettenschweiler" charset="0"/>
+                <a:ea typeface="Haettenschweiler" charset="0"/>
+                <a:cs typeface="Haettenschweiler" charset="0"/>
+              </a:rPr>
+              <a:t>2</a:t>
+            </a:r>
+            <a:r>
+              <a:rPr lang="en-US" sz="20000" dirty="0" smtClean="0">
+                <a:solidFill>
+                  <a:srgbClr val="2E5287"/>
+                </a:solidFill>
+                <a:latin typeface="Haettenschweiler" charset="0"/>
+                <a:ea typeface="Haettenschweiler" charset="0"/>
+                <a:cs typeface="Haettenschweiler" charset="0"/>
+              </a:rPr>
+              <a:t>af</a:t>
+            </a:r>
+          </a:p>
+        </p:txBody>
+      </p:sp>
+      <p:sp>
+        <p:nvSpPr>
+          <p:cNvPr id="34" name="TextBox 33"/>
+          <p:cNvSpPr txBox="1"/>
+          <p:nvPr/>
+        </p:nvSpPr>
+        <p:spPr>
+          <a:xfrm>
+            <a:off x="2267744" y="3429000"/>
+            <a:ext cx="4657044" cy="1785104"/>
+          </a:xfrm>
+          <a:prstGeom prst="rect">
+            <a:avLst/>
+          </a:prstGeom>
+          <a:noFill/>
+        </p:spPr>
+        <p:txBody>
+          <a:bodyPr wrap="none" rtlCol="0">
+            <a:spAutoFit/>
+          </a:bodyPr>
+          <a:lstStyle/>
+          <a:p>
+            <a:r>
+              <a:rPr lang="en-US" sz="11000" dirty="0" smtClean="0">
+                <a:solidFill>
+                  <a:srgbClr val="89A0C9"/>
+                </a:solidFill>
+                <a:latin typeface="Haettenschweiler" charset="0"/>
+                <a:ea typeface="Haettenschweiler" charset="0"/>
+                <a:cs typeface="Haettenschweiler" charset="0"/>
+              </a:rPr>
+              <a:t>converter</a:t>
+            </a:r>
+          </a:p>
+        </p:txBody>
+      </p:sp>
+    </p:spTree>
+    <p:extLst>
+      <p:ext uri="{BB962C8B-B14F-4D97-AF65-F5344CB8AC3E}">
+        <p14:creationId xmlns:p14="http://schemas.microsoft.com/office/powerpoint/2010/main" val="561204463"/>
       </p:ext>
     </p:extLst>
   </p:cSld>

--- a/images/pd2af-logo.pptx
+++ b/images/pd2af-logo.pptx
@@ -5,10 +5,10 @@
     <p:sldMasterId id="2147483648" r:id="rId1"/>
   </p:sldMasterIdLst>
   <p:notesMasterIdLst>
-    <p:notesMasterId r:id="rId8"/>
+    <p:notesMasterId r:id="rId9"/>
   </p:notesMasterIdLst>
   <p:handoutMasterIdLst>
-    <p:handoutMasterId r:id="rId9"/>
+    <p:handoutMasterId r:id="rId10"/>
   </p:handoutMasterIdLst>
   <p:sldIdLst>
     <p:sldId id="854" r:id="rId2"/>
@@ -17,6 +17,7 @@
     <p:sldId id="858" r:id="rId5"/>
     <p:sldId id="862" r:id="rId6"/>
     <p:sldId id="861" r:id="rId7"/>
+    <p:sldId id="864" r:id="rId8"/>
   </p:sldIdLst>
   <p:sldSz cx="9144000" cy="6858000" type="screen4x3"/>
   <p:notesSz cx="6858000" cy="9144000"/>
@@ -3489,18 +3490,7 @@
                 <a:ea typeface="Franklin Gothic Demi Cond" charset="0"/>
                 <a:cs typeface="Franklin Gothic Demi Cond" charset="0"/>
               </a:rPr>
-              <a:t>p</a:t>
-            </a:r>
-            <a:r>
-              <a:rPr lang="en-US" sz="18000" b="1" dirty="0" err="1" smtClean="0">
-                <a:solidFill>
-                  <a:srgbClr val="2E5287"/>
-                </a:solidFill>
-                <a:latin typeface="Franklin Gothic Demi Cond" charset="0"/>
-                <a:ea typeface="Franklin Gothic Demi Cond" charset="0"/>
-                <a:cs typeface="Franklin Gothic Demi Cond" charset="0"/>
-              </a:rPr>
-              <a:t>d</a:t>
+              <a:t>pd</a:t>
             </a:r>
             <a:endParaRPr lang="en-US" sz="18000" b="1" dirty="0" smtClean="0">
               <a:solidFill>
@@ -3898,18 +3888,7 @@
                 <a:ea typeface="Haettenschweiler" charset="0"/>
                 <a:cs typeface="Haettenschweiler" charset="0"/>
               </a:rPr>
-              <a:t>p</a:t>
-            </a:r>
-            <a:r>
-              <a:rPr lang="en-US" sz="20000" dirty="0" err="1" smtClean="0">
-                <a:solidFill>
-                  <a:srgbClr val="2E5287"/>
-                </a:solidFill>
-                <a:latin typeface="Haettenschweiler" charset="0"/>
-                <a:ea typeface="Haettenschweiler" charset="0"/>
-                <a:cs typeface="Haettenschweiler" charset="0"/>
-              </a:rPr>
-              <a:t>d</a:t>
+              <a:t>pd</a:t>
             </a:r>
             <a:endParaRPr lang="en-US" sz="20000" dirty="0" smtClean="0">
               <a:solidFill>
@@ -4179,6 +4158,108 @@
     <p:extLst>
       <p:ext uri="{BB962C8B-B14F-4D97-AF65-F5344CB8AC3E}">
         <p14:creationId xmlns:p14="http://schemas.microsoft.com/office/powerpoint/2010/main" val="561204463"/>
+      </p:ext>
+    </p:extLst>
+  </p:cSld>
+  <p:clrMapOvr>
+    <a:masterClrMapping/>
+  </p:clrMapOvr>
+</p:sld>
+</file>
+
+<file path=ppt/slides/slide7.xml><?xml version="1.0" encoding="utf-8"?>
+<p:sld xmlns:a="http://schemas.openxmlformats.org/drawingml/2006/main" xmlns:r="http://schemas.openxmlformats.org/officeDocument/2006/relationships" xmlns:p="http://schemas.openxmlformats.org/presentationml/2006/main">
+  <p:cSld>
+    <p:spTree>
+      <p:nvGrpSpPr>
+        <p:cNvPr id="1" name=""/>
+        <p:cNvGrpSpPr/>
+        <p:nvPr/>
+      </p:nvGrpSpPr>
+      <p:grpSpPr>
+        <a:xfrm>
+          <a:off x="0" y="0"/>
+          <a:ext cx="0" cy="0"/>
+          <a:chOff x="0" y="0"/>
+          <a:chExt cx="0" cy="0"/>
+        </a:xfrm>
+      </p:grpSpPr>
+      <p:sp>
+        <p:nvSpPr>
+          <p:cNvPr id="33" name="TextBox 32"/>
+          <p:cNvSpPr txBox="1"/>
+          <p:nvPr/>
+        </p:nvSpPr>
+        <p:spPr>
+          <a:xfrm>
+            <a:off x="2267744" y="963066"/>
+            <a:ext cx="4616970" cy="3170099"/>
+          </a:xfrm>
+          <a:prstGeom prst="rect">
+            <a:avLst/>
+          </a:prstGeom>
+          <a:noFill/>
+        </p:spPr>
+        <p:txBody>
+          <a:bodyPr wrap="none" rtlCol="0">
+            <a:spAutoFit/>
+          </a:bodyPr>
+          <a:lstStyle/>
+          <a:p>
+            <a:r>
+              <a:rPr lang="en-US" sz="20000" dirty="0" smtClean="0">
+                <a:solidFill>
+                  <a:srgbClr val="2E5287"/>
+                </a:solidFill>
+                <a:latin typeface="Haettenschweiler" charset="0"/>
+                <a:ea typeface="Haettenschweiler" charset="0"/>
+                <a:cs typeface="Haettenschweiler" charset="0"/>
+              </a:rPr>
+              <a:t>pd2af</a:t>
+            </a:r>
+          </a:p>
+        </p:txBody>
+      </p:sp>
+      <p:sp>
+        <p:nvSpPr>
+          <p:cNvPr id="34" name="TextBox 33"/>
+          <p:cNvSpPr txBox="1"/>
+          <p:nvPr/>
+        </p:nvSpPr>
+        <p:spPr>
+          <a:xfrm>
+            <a:off x="2267744" y="3501008"/>
+            <a:ext cx="4657044" cy="1785104"/>
+          </a:xfrm>
+          <a:prstGeom prst="rect">
+            <a:avLst/>
+          </a:prstGeom>
+          <a:noFill/>
+        </p:spPr>
+        <p:txBody>
+          <a:bodyPr wrap="none" rtlCol="0">
+            <a:spAutoFit/>
+          </a:bodyPr>
+          <a:lstStyle/>
+          <a:p>
+            <a:r>
+              <a:rPr lang="en-US" sz="11000" dirty="0" smtClean="0">
+                <a:solidFill>
+                  <a:srgbClr val="89A0C9"/>
+                </a:solidFill>
+                <a:latin typeface="Haettenschweiler" charset="0"/>
+                <a:ea typeface="Haettenschweiler" charset="0"/>
+                <a:cs typeface="Haettenschweiler" charset="0"/>
+              </a:rPr>
+              <a:t>converter</a:t>
+            </a:r>
+          </a:p>
+        </p:txBody>
+      </p:sp>
+    </p:spTree>
+    <p:extLst>
+      <p:ext uri="{BB962C8B-B14F-4D97-AF65-F5344CB8AC3E}">
+        <p14:creationId xmlns:p14="http://schemas.microsoft.com/office/powerpoint/2010/main" val="1222445217"/>
       </p:ext>
     </p:extLst>
   </p:cSld>
